--- a/ppt/05-Lombok.pptx
+++ b/ppt/05-Lombok.pptx
@@ -531,7 +531,7 @@
         <p:nvSpPr>
           <p:cNvPr id="2052" name="Rectangle 4"/>
           <p:cNvSpPr>
-            <a:spLocks noChangeArrowheads="1" noTextEdit="1"/>
+            <a:spLocks noGrp="1" noRot="1" noChangeAspect="1" noChangeArrowheads="1" noTextEdit="1"/>
           </p:cNvSpPr>
           <p:nvPr>
             <p:ph type="sldImg" idx="2"/>
@@ -3694,6 +3694,47 @@
                 <a:headEnd/>
                 <a:tailEnd/>
               </a14:hiddenLine>
+            </a:ext>
+          </a:extLst>
+        </p:spPr>
+      </p:pic>
+      <p:pic>
+        <p:nvPicPr>
+          <p:cNvPr id="1026" name="Picture 2" descr="https://www.developpez.net/forums/attachments/p446949d1/a/a/a"/>
+          <p:cNvPicPr>
+            <a:picLocks noChangeAspect="1" noChangeArrowheads="1"/>
+          </p:cNvPicPr>
+          <p:nvPr/>
+        </p:nvPicPr>
+        <p:blipFill>
+          <a:blip r:embed="rId3">
+            <a:extLst>
+              <a:ext uri="{28A0092B-C50C-407E-A947-70E740481C1C}">
+                <a14:useLocalDpi xmlns:a14="http://schemas.microsoft.com/office/drawing/2010/main" val="0"/>
+              </a:ext>
+            </a:extLst>
+          </a:blip>
+          <a:srcRect/>
+          <a:stretch>
+            <a:fillRect/>
+          </a:stretch>
+        </p:blipFill>
+        <p:spPr bwMode="auto">
+          <a:xfrm>
+            <a:off x="971600" y="980728"/>
+            <a:ext cx="7620000" cy="2705100"/>
+          </a:xfrm>
+          <a:prstGeom prst="rect">
+            <a:avLst/>
+          </a:prstGeom>
+          <a:noFill/>
+          <a:extLst>
+            <a:ext uri="{909E8E84-426E-40DD-AFC4-6F175D3DCCD1}">
+              <a14:hiddenFill xmlns:a14="http://schemas.microsoft.com/office/drawing/2010/main">
+                <a:solidFill>
+                  <a:srgbClr val="FFFFFF"/>
+                </a:solidFill>
+              </a14:hiddenFill>
             </a:ext>
           </a:extLst>
         </p:spPr>

--- a/ppt/05-Lombok.pptx
+++ b/ppt/05-Lombok.pptx
@@ -401,6 +401,11 @@
         </p:txBody>
       </p:sp>
     </p:spTree>
+    <p:extLst>
+      <p:ext uri="{BB962C8B-B14F-4D97-AF65-F5344CB8AC3E}">
+        <p14:creationId xmlns:p14="http://schemas.microsoft.com/office/powerpoint/2010/main" val="1"/>
+      </p:ext>
+    </p:extLst>
   </p:cSld>
   <p:clrMap bg1="lt1" tx1="dk1" bg2="lt2" tx2="dk2" accent1="accent1" accent2="accent2" accent3="accent3" accent4="accent4" accent5="accent5" accent6="accent6" hlink="hlink" folHlink="folHlink"/>
 </p:handoutMaster>
@@ -602,35 +607,35 @@
           <a:p>
             <a:pPr lvl="0"/>
             <a:r>
-              <a:rPr lang="fr-FR" noProof="0" smtClean="0"/>
+              <a:rPr lang="fr-FR" noProof="0"/>
               <a:t>Cliquez pour modifier les styles du texte du masque</a:t>
             </a:r>
           </a:p>
           <a:p>
             <a:pPr lvl="1"/>
             <a:r>
-              <a:rPr lang="fr-FR" noProof="0" smtClean="0"/>
+              <a:rPr lang="fr-FR" noProof="0"/>
               <a:t>Deuxième niveau</a:t>
             </a:r>
           </a:p>
           <a:p>
             <a:pPr lvl="2"/>
             <a:r>
-              <a:rPr lang="fr-FR" noProof="0" smtClean="0"/>
+              <a:rPr lang="fr-FR" noProof="0"/>
               <a:t>Troisième niveau</a:t>
             </a:r>
           </a:p>
           <a:p>
             <a:pPr lvl="3"/>
             <a:r>
-              <a:rPr lang="fr-FR" noProof="0" smtClean="0"/>
+              <a:rPr lang="fr-FR" noProof="0"/>
               <a:t>Quatrième niveau</a:t>
             </a:r>
           </a:p>
           <a:p>
             <a:pPr lvl="4"/>
             <a:r>
-              <a:rPr lang="fr-FR" noProof="0" smtClean="0"/>
+              <a:rPr lang="fr-FR" noProof="0"/>
               <a:t>Cinquième niveau</a:t>
             </a:r>
           </a:p>
@@ -911,10 +916,9 @@
           <a:lstStyle/>
           <a:p>
             <a:r>
-              <a:rPr lang="fr-FR" smtClean="0"/>
+              <a:rPr lang="fr-FR"/>
               <a:t>Cliquez pour modifier le style du titre</a:t>
             </a:r>
-            <a:endParaRPr lang="fr-FR"/>
           </a:p>
         </p:txBody>
       </p:sp>
@@ -976,10 +980,9 @@
           </a:lstStyle>
           <a:p>
             <a:r>
-              <a:rPr lang="fr-FR" smtClean="0"/>
+              <a:rPr lang="fr-FR"/>
               <a:t>Cliquez pour modifier le style des sous-titres du masque</a:t>
             </a:r>
-            <a:endParaRPr lang="fr-FR"/>
           </a:p>
         </p:txBody>
       </p:sp>
@@ -1029,10 +1032,9 @@
           <a:lstStyle/>
           <a:p>
             <a:r>
-              <a:rPr lang="fr-FR" smtClean="0"/>
+              <a:rPr lang="fr-FR"/>
               <a:t>Cliquez pour modifier le style du titre</a:t>
             </a:r>
-            <a:endParaRPr lang="fr-FR"/>
           </a:p>
         </p:txBody>
       </p:sp>
@@ -1053,38 +1055,37 @@
           <a:p>
             <a:pPr lvl="0"/>
             <a:r>
-              <a:rPr lang="fr-FR" smtClean="0"/>
+              <a:rPr lang="fr-FR"/>
               <a:t>Cliquez pour modifier les styles du texte du masque</a:t>
             </a:r>
           </a:p>
           <a:p>
             <a:pPr lvl="1"/>
             <a:r>
-              <a:rPr lang="fr-FR" smtClean="0"/>
+              <a:rPr lang="fr-FR"/>
               <a:t>Deuxième niveau</a:t>
             </a:r>
           </a:p>
           <a:p>
             <a:pPr lvl="2"/>
             <a:r>
-              <a:rPr lang="fr-FR" smtClean="0"/>
+              <a:rPr lang="fr-FR"/>
               <a:t>Troisième niveau</a:t>
             </a:r>
           </a:p>
           <a:p>
             <a:pPr lvl="3"/>
             <a:r>
-              <a:rPr lang="fr-FR" smtClean="0"/>
+              <a:rPr lang="fr-FR"/>
               <a:t>Quatrième niveau</a:t>
             </a:r>
           </a:p>
           <a:p>
             <a:pPr lvl="4"/>
             <a:r>
-              <a:rPr lang="fr-FR" smtClean="0"/>
+              <a:rPr lang="fr-FR"/>
               <a:t>Cinquième niveau</a:t>
             </a:r>
-            <a:endParaRPr lang="fr-FR"/>
           </a:p>
         </p:txBody>
       </p:sp>
@@ -1139,10 +1140,9 @@
           <a:lstStyle/>
           <a:p>
             <a:r>
-              <a:rPr lang="fr-FR" smtClean="0"/>
+              <a:rPr lang="fr-FR"/>
               <a:t>Cliquez pour modifier le style du titre</a:t>
             </a:r>
-            <a:endParaRPr lang="fr-FR"/>
           </a:p>
         </p:txBody>
       </p:sp>
@@ -1168,38 +1168,37 @@
           <a:p>
             <a:pPr lvl="0"/>
             <a:r>
-              <a:rPr lang="fr-FR" smtClean="0"/>
+              <a:rPr lang="fr-FR"/>
               <a:t>Cliquez pour modifier les styles du texte du masque</a:t>
             </a:r>
           </a:p>
           <a:p>
             <a:pPr lvl="1"/>
             <a:r>
-              <a:rPr lang="fr-FR" smtClean="0"/>
+              <a:rPr lang="fr-FR"/>
               <a:t>Deuxième niveau</a:t>
             </a:r>
           </a:p>
           <a:p>
             <a:pPr lvl="2"/>
             <a:r>
-              <a:rPr lang="fr-FR" smtClean="0"/>
+              <a:rPr lang="fr-FR"/>
               <a:t>Troisième niveau</a:t>
             </a:r>
           </a:p>
           <a:p>
             <a:pPr lvl="3"/>
             <a:r>
-              <a:rPr lang="fr-FR" smtClean="0"/>
+              <a:rPr lang="fr-FR"/>
               <a:t>Quatrième niveau</a:t>
             </a:r>
           </a:p>
           <a:p>
             <a:pPr lvl="4"/>
             <a:r>
-              <a:rPr lang="fr-FR" smtClean="0"/>
+              <a:rPr lang="fr-FR"/>
               <a:t>Cinquième niveau</a:t>
             </a:r>
-            <a:endParaRPr lang="fr-FR"/>
           </a:p>
         </p:txBody>
       </p:sp>
@@ -1249,10 +1248,9 @@
           <a:lstStyle/>
           <a:p>
             <a:r>
-              <a:rPr lang="fr-FR" smtClean="0"/>
+              <a:rPr lang="fr-FR"/>
               <a:t>Cliquez pour modifier le style du titre</a:t>
             </a:r>
-            <a:endParaRPr lang="fr-FR"/>
           </a:p>
         </p:txBody>
       </p:sp>
@@ -1273,38 +1271,37 @@
           <a:p>
             <a:pPr lvl="0"/>
             <a:r>
-              <a:rPr lang="fr-FR" smtClean="0"/>
+              <a:rPr lang="fr-FR"/>
               <a:t>Cliquez pour modifier les styles du texte du masque</a:t>
             </a:r>
           </a:p>
           <a:p>
             <a:pPr lvl="1"/>
             <a:r>
-              <a:rPr lang="fr-FR" smtClean="0"/>
+              <a:rPr lang="fr-FR"/>
               <a:t>Deuxième niveau</a:t>
             </a:r>
           </a:p>
           <a:p>
             <a:pPr lvl="2"/>
             <a:r>
-              <a:rPr lang="fr-FR" smtClean="0"/>
+              <a:rPr lang="fr-FR"/>
               <a:t>Troisième niveau</a:t>
             </a:r>
           </a:p>
           <a:p>
             <a:pPr lvl="3"/>
             <a:r>
-              <a:rPr lang="fr-FR" smtClean="0"/>
+              <a:rPr lang="fr-FR"/>
               <a:t>Quatrième niveau</a:t>
             </a:r>
           </a:p>
           <a:p>
             <a:pPr lvl="4"/>
             <a:r>
-              <a:rPr lang="fr-FR" smtClean="0"/>
+              <a:rPr lang="fr-FR"/>
               <a:t>Cinquième niveau</a:t>
             </a:r>
-            <a:endParaRPr lang="fr-FR"/>
           </a:p>
         </p:txBody>
       </p:sp>
@@ -1363,10 +1360,9 @@
           </a:lstStyle>
           <a:p>
             <a:r>
-              <a:rPr lang="fr-FR" smtClean="0"/>
+              <a:rPr lang="fr-FR"/>
               <a:t>Cliquez pour modifier le style du titre</a:t>
             </a:r>
-            <a:endParaRPr lang="fr-FR"/>
           </a:p>
         </p:txBody>
       </p:sp>
@@ -1429,7 +1425,7 @@
           <a:p>
             <a:pPr lvl="0"/>
             <a:r>
-              <a:rPr lang="fr-FR" smtClean="0"/>
+              <a:rPr lang="fr-FR"/>
               <a:t>Cliquez pour modifier les styles du texte du masque</a:t>
             </a:r>
           </a:p>
@@ -1481,10 +1477,9 @@
           <a:lstStyle/>
           <a:p>
             <a:r>
-              <a:rPr lang="fr-FR" smtClean="0"/>
+              <a:rPr lang="fr-FR"/>
               <a:t>Cliquez pour modifier le style du titre</a:t>
             </a:r>
-            <a:endParaRPr lang="fr-FR"/>
           </a:p>
         </p:txBody>
       </p:sp>
@@ -1538,38 +1533,37 @@
           <a:p>
             <a:pPr lvl="0"/>
             <a:r>
-              <a:rPr lang="fr-FR" smtClean="0"/>
+              <a:rPr lang="fr-FR"/>
               <a:t>Cliquez pour modifier les styles du texte du masque</a:t>
             </a:r>
           </a:p>
           <a:p>
             <a:pPr lvl="1"/>
             <a:r>
-              <a:rPr lang="fr-FR" smtClean="0"/>
+              <a:rPr lang="fr-FR"/>
               <a:t>Deuxième niveau</a:t>
             </a:r>
           </a:p>
           <a:p>
             <a:pPr lvl="2"/>
             <a:r>
-              <a:rPr lang="fr-FR" smtClean="0"/>
+              <a:rPr lang="fr-FR"/>
               <a:t>Troisième niveau</a:t>
             </a:r>
           </a:p>
           <a:p>
             <a:pPr lvl="3"/>
             <a:r>
-              <a:rPr lang="fr-FR" smtClean="0"/>
+              <a:rPr lang="fr-FR"/>
               <a:t>Quatrième niveau</a:t>
             </a:r>
           </a:p>
           <a:p>
             <a:pPr lvl="4"/>
             <a:r>
-              <a:rPr lang="fr-FR" smtClean="0"/>
+              <a:rPr lang="fr-FR"/>
               <a:t>Cinquième niveau</a:t>
             </a:r>
-            <a:endParaRPr lang="fr-FR"/>
           </a:p>
         </p:txBody>
       </p:sp>
@@ -1623,38 +1617,37 @@
           <a:p>
             <a:pPr lvl="0"/>
             <a:r>
-              <a:rPr lang="fr-FR" smtClean="0"/>
+              <a:rPr lang="fr-FR"/>
               <a:t>Cliquez pour modifier les styles du texte du masque</a:t>
             </a:r>
           </a:p>
           <a:p>
             <a:pPr lvl="1"/>
             <a:r>
-              <a:rPr lang="fr-FR" smtClean="0"/>
+              <a:rPr lang="fr-FR"/>
               <a:t>Deuxième niveau</a:t>
             </a:r>
           </a:p>
           <a:p>
             <a:pPr lvl="2"/>
             <a:r>
-              <a:rPr lang="fr-FR" smtClean="0"/>
+              <a:rPr lang="fr-FR"/>
               <a:t>Troisième niveau</a:t>
             </a:r>
           </a:p>
           <a:p>
             <a:pPr lvl="3"/>
             <a:r>
-              <a:rPr lang="fr-FR" smtClean="0"/>
+              <a:rPr lang="fr-FR"/>
               <a:t>Quatrième niveau</a:t>
             </a:r>
           </a:p>
           <a:p>
             <a:pPr lvl="4"/>
             <a:r>
-              <a:rPr lang="fr-FR" smtClean="0"/>
+              <a:rPr lang="fr-FR"/>
               <a:t>Cinquième niveau</a:t>
             </a:r>
-            <a:endParaRPr lang="fr-FR"/>
           </a:p>
         </p:txBody>
       </p:sp>
@@ -1713,10 +1706,9 @@
           </a:lstStyle>
           <a:p>
             <a:r>
-              <a:rPr lang="fr-FR" smtClean="0"/>
+              <a:rPr lang="fr-FR"/>
               <a:t>Cliquez pour modifier le style du titre</a:t>
             </a:r>
-            <a:endParaRPr lang="fr-FR"/>
           </a:p>
         </p:txBody>
       </p:sp>
@@ -1779,7 +1771,7 @@
           <a:p>
             <a:pPr lvl="0"/>
             <a:r>
-              <a:rPr lang="fr-FR" smtClean="0"/>
+              <a:rPr lang="fr-FR"/>
               <a:t>Cliquez pour modifier les styles du texte du masque</a:t>
             </a:r>
           </a:p>
@@ -1835,38 +1827,37 @@
           <a:p>
             <a:pPr lvl="0"/>
             <a:r>
-              <a:rPr lang="fr-FR" smtClean="0"/>
+              <a:rPr lang="fr-FR"/>
               <a:t>Cliquez pour modifier les styles du texte du masque</a:t>
             </a:r>
           </a:p>
           <a:p>
             <a:pPr lvl="1"/>
             <a:r>
-              <a:rPr lang="fr-FR" smtClean="0"/>
+              <a:rPr lang="fr-FR"/>
               <a:t>Deuxième niveau</a:t>
             </a:r>
           </a:p>
           <a:p>
             <a:pPr lvl="2"/>
             <a:r>
-              <a:rPr lang="fr-FR" smtClean="0"/>
+              <a:rPr lang="fr-FR"/>
               <a:t>Troisième niveau</a:t>
             </a:r>
           </a:p>
           <a:p>
             <a:pPr lvl="3"/>
             <a:r>
-              <a:rPr lang="fr-FR" smtClean="0"/>
+              <a:rPr lang="fr-FR"/>
               <a:t>Quatrième niveau</a:t>
             </a:r>
           </a:p>
           <a:p>
             <a:pPr lvl="4"/>
             <a:r>
-              <a:rPr lang="fr-FR" smtClean="0"/>
+              <a:rPr lang="fr-FR"/>
               <a:t>Cinquième niveau</a:t>
             </a:r>
-            <a:endParaRPr lang="fr-FR"/>
           </a:p>
         </p:txBody>
       </p:sp>
@@ -1929,7 +1920,7 @@
           <a:p>
             <a:pPr lvl="0"/>
             <a:r>
-              <a:rPr lang="fr-FR" smtClean="0"/>
+              <a:rPr lang="fr-FR"/>
               <a:t>Cliquez pour modifier les styles du texte du masque</a:t>
             </a:r>
           </a:p>
@@ -1985,38 +1976,37 @@
           <a:p>
             <a:pPr lvl="0"/>
             <a:r>
-              <a:rPr lang="fr-FR" smtClean="0"/>
+              <a:rPr lang="fr-FR"/>
               <a:t>Cliquez pour modifier les styles du texte du masque</a:t>
             </a:r>
           </a:p>
           <a:p>
             <a:pPr lvl="1"/>
             <a:r>
-              <a:rPr lang="fr-FR" smtClean="0"/>
+              <a:rPr lang="fr-FR"/>
               <a:t>Deuxième niveau</a:t>
             </a:r>
           </a:p>
           <a:p>
             <a:pPr lvl="2"/>
             <a:r>
-              <a:rPr lang="fr-FR" smtClean="0"/>
+              <a:rPr lang="fr-FR"/>
               <a:t>Troisième niveau</a:t>
             </a:r>
           </a:p>
           <a:p>
             <a:pPr lvl="3"/>
             <a:r>
-              <a:rPr lang="fr-FR" smtClean="0"/>
+              <a:rPr lang="fr-FR"/>
               <a:t>Quatrième niveau</a:t>
             </a:r>
           </a:p>
           <a:p>
             <a:pPr lvl="4"/>
             <a:r>
-              <a:rPr lang="fr-FR" smtClean="0"/>
+              <a:rPr lang="fr-FR"/>
               <a:t>Cinquième niveau</a:t>
             </a:r>
-            <a:endParaRPr lang="fr-FR"/>
           </a:p>
         </p:txBody>
       </p:sp>
@@ -2066,10 +2056,9 @@
           <a:lstStyle/>
           <a:p>
             <a:r>
-              <a:rPr lang="fr-FR" smtClean="0"/>
+              <a:rPr lang="fr-FR"/>
               <a:t>Cliquez pour modifier le style du titre</a:t>
             </a:r>
-            <a:endParaRPr lang="fr-FR"/>
           </a:p>
         </p:txBody>
       </p:sp>
@@ -2158,10 +2147,9 @@
           </a:lstStyle>
           <a:p>
             <a:r>
-              <a:rPr lang="fr-FR" smtClean="0"/>
+              <a:rPr lang="fr-FR"/>
               <a:t>Cliquez pour modifier le style du titre</a:t>
             </a:r>
-            <a:endParaRPr lang="fr-FR"/>
           </a:p>
         </p:txBody>
       </p:sp>
@@ -2215,38 +2203,37 @@
           <a:p>
             <a:pPr lvl="0"/>
             <a:r>
-              <a:rPr lang="fr-FR" smtClean="0"/>
+              <a:rPr lang="fr-FR"/>
               <a:t>Cliquez pour modifier les styles du texte du masque</a:t>
             </a:r>
           </a:p>
           <a:p>
             <a:pPr lvl="1"/>
             <a:r>
-              <a:rPr lang="fr-FR" smtClean="0"/>
+              <a:rPr lang="fr-FR"/>
               <a:t>Deuxième niveau</a:t>
             </a:r>
           </a:p>
           <a:p>
             <a:pPr lvl="2"/>
             <a:r>
-              <a:rPr lang="fr-FR" smtClean="0"/>
+              <a:rPr lang="fr-FR"/>
               <a:t>Troisième niveau</a:t>
             </a:r>
           </a:p>
           <a:p>
             <a:pPr lvl="3"/>
             <a:r>
-              <a:rPr lang="fr-FR" smtClean="0"/>
+              <a:rPr lang="fr-FR"/>
               <a:t>Quatrième niveau</a:t>
             </a:r>
           </a:p>
           <a:p>
             <a:pPr lvl="4"/>
             <a:r>
-              <a:rPr lang="fr-FR" smtClean="0"/>
+              <a:rPr lang="fr-FR"/>
               <a:t>Cinquième niveau</a:t>
             </a:r>
-            <a:endParaRPr lang="fr-FR"/>
           </a:p>
         </p:txBody>
       </p:sp>
@@ -2309,7 +2296,7 @@
           <a:p>
             <a:pPr lvl="0"/>
             <a:r>
-              <a:rPr lang="fr-FR" smtClean="0"/>
+              <a:rPr lang="fr-FR"/>
               <a:t>Cliquez pour modifier les styles du texte du masque</a:t>
             </a:r>
           </a:p>
@@ -2370,10 +2357,9 @@
           </a:lstStyle>
           <a:p>
             <a:r>
-              <a:rPr lang="fr-FR" smtClean="0"/>
+              <a:rPr lang="fr-FR"/>
               <a:t>Cliquez pour modifier le style du titre</a:t>
             </a:r>
-            <a:endParaRPr lang="fr-FR"/>
           </a:p>
         </p:txBody>
       </p:sp>
@@ -2435,7 +2421,7 @@
           </a:lstStyle>
           <a:p>
             <a:pPr lvl="0"/>
-            <a:endParaRPr lang="fr-FR" noProof="0" smtClean="0"/>
+            <a:endParaRPr lang="fr-FR" noProof="0"/>
           </a:p>
         </p:txBody>
       </p:sp>
@@ -2498,7 +2484,7 @@
           <a:p>
             <a:pPr lvl="0"/>
             <a:r>
-              <a:rPr lang="fr-FR" smtClean="0"/>
+              <a:rPr lang="fr-FR"/>
               <a:t>Cliquez pour modifier les styles du texte du masque</a:t>
             </a:r>
           </a:p>
@@ -2681,7 +2667,7 @@
             <a:pPr eaLnBrk="1" hangingPunct="1">
               <a:defRPr/>
             </a:pPr>
-            <a:endParaRPr lang="fr-FR" altLang="fr-FR" smtClean="0"/>
+            <a:endParaRPr lang="fr-FR" altLang="fr-FR"/>
           </a:p>
         </p:txBody>
       </p:sp>
@@ -2835,7 +2821,7 @@
               <a:defRPr/>
             </a:pPr>
             <a:r>
-              <a:rPr lang="fr-FR" altLang="fr-FR" sz="1200" smtClean="0"/>
+              <a:rPr lang="fr-FR" altLang="fr-FR" sz="1200"/>
               <a:t>Page </a:t>
             </a:r>
             <a:fld id="{876FF9A4-283C-492F-A766-3CACCF4B257D}" type="slidenum">
@@ -2848,7 +2834,7 @@
               </a:pPr>
               <a:t>‹N°›</a:t>
             </a:fld>
-            <a:endParaRPr lang="fr-FR" altLang="fr-FR" smtClean="0">
+            <a:endParaRPr lang="fr-FR" altLang="fr-FR">
               <a:latin typeface="Times New Roman" panose="02020603050405020304" pitchFamily="18" charset="0"/>
             </a:endParaRPr>
           </a:p>
@@ -2906,7 +2892,7 @@
           <a:p>
             <a:pPr lvl="0"/>
             <a:r>
-              <a:rPr lang="fr-FR" altLang="fr-FR" smtClean="0"/>
+              <a:rPr lang="fr-FR" altLang="fr-FR"/>
               <a:t>Cliquez pour modifier le style du titre du masque</a:t>
             </a:r>
           </a:p>
@@ -2964,35 +2950,35 @@
           <a:p>
             <a:pPr lvl="0"/>
             <a:r>
-              <a:rPr lang="fr-FR" altLang="fr-FR" smtClean="0"/>
+              <a:rPr lang="fr-FR" altLang="fr-FR"/>
               <a:t>Cliquez pour modifier les styles du texte du masque</a:t>
             </a:r>
           </a:p>
           <a:p>
             <a:pPr lvl="1"/>
             <a:r>
-              <a:rPr lang="fr-FR" altLang="fr-FR" smtClean="0"/>
+              <a:rPr lang="fr-FR" altLang="fr-FR"/>
               <a:t>Deuxième niveau</a:t>
             </a:r>
           </a:p>
           <a:p>
             <a:pPr lvl="2"/>
             <a:r>
-              <a:rPr lang="fr-FR" altLang="fr-FR" smtClean="0"/>
+              <a:rPr lang="fr-FR" altLang="fr-FR"/>
               <a:t>Troisième niveau</a:t>
             </a:r>
           </a:p>
           <a:p>
             <a:pPr lvl="3"/>
             <a:r>
-              <a:rPr lang="fr-FR" altLang="fr-FR" smtClean="0"/>
+              <a:rPr lang="fr-FR" altLang="fr-FR"/>
               <a:t>Quatrième niveau</a:t>
             </a:r>
           </a:p>
           <a:p>
             <a:pPr lvl="4"/>
             <a:r>
-              <a:rPr lang="fr-FR" altLang="fr-FR" smtClean="0"/>
+              <a:rPr lang="fr-FR" altLang="fr-FR"/>
               <a:t>Cinquième niveau</a:t>
             </a:r>
           </a:p>
@@ -3148,10 +3134,10 @@
               <a:defRPr/>
             </a:pPr>
             <a:r>
-              <a:rPr lang="fr-FR" sz="1200" smtClean="0"/>
+              <a:rPr lang="fr-FR" sz="1200"/>
               <a:t>© Cyril Vincent Conseil</a:t>
             </a:r>
-            <a:endParaRPr lang="fr-FR" smtClean="0">
+            <a:endParaRPr lang="fr-FR">
               <a:latin typeface="Times New Roman" pitchFamily="18" charset="0"/>
             </a:endParaRPr>
           </a:p>
@@ -3633,12 +3619,12 @@
           <a:lstStyle/>
           <a:p>
             <a:pPr eaLnBrk="1" hangingPunct="1"/>
-            <a:endParaRPr lang="fr-FR" altLang="fr-FR" smtClean="0"/>
+            <a:endParaRPr lang="fr-FR" altLang="fr-FR"/>
           </a:p>
           <a:p>
             <a:pPr eaLnBrk="1" hangingPunct="1"/>
             <a:r>
-              <a:rPr lang="fr-FR" altLang="fr-FR" smtClean="0"/>
+              <a:rPr lang="fr-FR" altLang="fr-FR"/>
               <a:t>Lombok</a:t>
             </a:r>
           </a:p>
@@ -3744,13 +3730,6 @@
   <p:clrMapOvr>
     <a:masterClrMapping/>
   </p:clrMapOvr>
-  <p:timing>
-    <p:tnLst>
-      <p:par>
-        <p:cTn id="1" dur="indefinite" restart="never" nodeType="tmRoot"/>
-      </p:par>
-    </p:tnLst>
-  </p:timing>
 </p:sld>
 </file>
 
@@ -3787,7 +3766,7 @@
           <a:lstStyle/>
           <a:p>
             <a:r>
-              <a:rPr lang="fr-FR" altLang="fr-FR" smtClean="0"/>
+              <a:rPr lang="fr-FR" altLang="fr-FR"/>
               <a:t>Lombok</a:t>
             </a:r>
           </a:p>
@@ -3809,21 +3788,21 @@
           <a:lstStyle/>
           <a:p>
             <a:r>
-              <a:rPr lang="fr-FR" altLang="fr-FR" smtClean="0"/>
+              <a:rPr lang="fr-FR" altLang="fr-FR"/>
               <a:t>Lombok</a:t>
             </a:r>
           </a:p>
           <a:p>
             <a:pPr lvl="1"/>
             <a:r>
-              <a:rPr lang="fr-FR" altLang="fr-FR" smtClean="0"/>
+              <a:rPr lang="fr-FR" altLang="fr-FR"/>
               <a:t>Permet de simplifier la programmation Java</a:t>
             </a:r>
           </a:p>
           <a:p>
             <a:pPr lvl="1"/>
             <a:r>
-              <a:rPr lang="fr-FR" altLang="fr-FR" smtClean="0"/>
+              <a:rPr lang="fr-FR" altLang="fr-FR"/>
               <a:t>Création des constructeurs et des getter / setter automatique</a:t>
             </a:r>
           </a:p>
@@ -3870,7 +3849,7 @@
           <a:lstStyle/>
           <a:p>
             <a:r>
-              <a:rPr lang="fr-FR" altLang="fr-FR" smtClean="0"/>
+              <a:rPr lang="fr-FR" altLang="fr-FR"/>
               <a:t>Lombok</a:t>
             </a:r>
           </a:p>
@@ -3891,7 +3870,7 @@
           <a:bodyPr/>
           <a:lstStyle/>
           <a:p>
-            <a:endParaRPr lang="fr-FR" altLang="fr-FR" smtClean="0"/>
+            <a:endParaRPr lang="fr-FR" altLang="fr-FR"/>
           </a:p>
         </p:txBody>
       </p:sp>
@@ -3990,7 +3969,7 @@
           <a:lstStyle/>
           <a:p>
             <a:r>
-              <a:rPr lang="fr-FR" altLang="fr-FR" smtClean="0"/>
+              <a:rPr lang="fr-FR" altLang="fr-FR"/>
               <a:t>@Data</a:t>
             </a:r>
           </a:p>
@@ -4012,35 +3991,35 @@
           <a:lstStyle/>
           <a:p>
             <a:r>
-              <a:rPr lang="fr-FR" altLang="fr-FR" smtClean="0"/>
+              <a:rPr lang="fr-FR" altLang="fr-FR"/>
               <a:t>@Data est un raccourci</a:t>
             </a:r>
           </a:p>
           <a:p>
             <a:pPr lvl="1"/>
             <a:r>
-              <a:rPr lang="fr-FR" altLang="fr-FR" smtClean="0"/>
+              <a:rPr lang="fr-FR" altLang="fr-FR"/>
               <a:t>@Getter</a:t>
             </a:r>
           </a:p>
           <a:p>
             <a:pPr lvl="1"/>
             <a:r>
-              <a:rPr lang="fr-FR" altLang="fr-FR" smtClean="0"/>
+              <a:rPr lang="fr-FR" altLang="fr-FR"/>
               <a:t>@Setter</a:t>
             </a:r>
           </a:p>
           <a:p>
             <a:pPr lvl="1"/>
             <a:r>
-              <a:rPr lang="fr-FR" altLang="fr-FR" smtClean="0"/>
+              <a:rPr lang="fr-FR" altLang="fr-FR"/>
               <a:t>@ToString</a:t>
             </a:r>
           </a:p>
           <a:p>
             <a:pPr lvl="1"/>
             <a:r>
-              <a:rPr lang="fr-FR" altLang="fr-FR" smtClean="0"/>
+              <a:rPr lang="fr-FR" altLang="fr-FR"/>
               <a:t>@EqualAndHashCode</a:t>
             </a:r>
           </a:p>
@@ -4087,7 +4066,7 @@
           <a:lstStyle/>
           <a:p>
             <a:r>
-              <a:rPr lang="fr-FR" altLang="fr-FR" smtClean="0"/>
+              <a:rPr lang="fr-FR" altLang="fr-FR"/>
               <a:t>@Slf4j</a:t>
             </a:r>
           </a:p>
@@ -4109,20 +4088,20 @@
           <a:lstStyle/>
           <a:p>
             <a:r>
-              <a:rPr lang="fr-FR" altLang="fr-FR" smtClean="0"/>
+              <a:rPr lang="fr-FR" altLang="fr-FR"/>
               <a:t>Créer le logger Slf4j automatiquement</a:t>
             </a:r>
           </a:p>
           <a:p>
             <a:r>
-              <a:rPr lang="fr-FR" altLang="fr-FR" smtClean="0"/>
+              <a:rPr lang="fr-FR" altLang="fr-FR"/>
               <a:t>Génère une variable log</a:t>
             </a:r>
           </a:p>
           <a:p>
             <a:pPr lvl="1"/>
             <a:r>
-              <a:rPr lang="fr-FR" altLang="fr-FR" smtClean="0"/>
+              <a:rPr lang="fr-FR" altLang="fr-FR"/>
               <a:t>Log4J</a:t>
             </a:r>
           </a:p>
@@ -4169,7 +4148,7 @@
           <a:lstStyle/>
           <a:p>
             <a:r>
-              <a:rPr lang="fr-FR" altLang="fr-FR" smtClean="0"/>
+              <a:rPr lang="fr-FR" altLang="fr-FR"/>
               <a:t>Pour ajouter Lombok</a:t>
             </a:r>
           </a:p>
@@ -4194,23 +4173,23 @@
               <a:defRPr/>
             </a:pPr>
             <a:r>
-              <a:rPr lang="fr-FR" sz="2400" dirty="0" smtClean="0"/>
+              <a:rPr lang="fr-FR" sz="2400" dirty="0"/>
               <a:t>Sur </a:t>
             </a:r>
             <a:r>
-              <a:rPr lang="fr-FR" sz="2400" dirty="0" err="1" smtClean="0"/>
+              <a:rPr lang="fr-FR" sz="2400" dirty="0" err="1"/>
               <a:t>Spring</a:t>
             </a:r>
             <a:r>
-              <a:rPr lang="fr-FR" sz="2400" dirty="0" smtClean="0"/>
+              <a:rPr lang="fr-FR" sz="2400" dirty="0"/>
               <a:t> </a:t>
             </a:r>
             <a:r>
-              <a:rPr lang="fr-FR" sz="2400" dirty="0" err="1" smtClean="0"/>
+              <a:rPr lang="fr-FR" sz="2400" dirty="0" err="1"/>
               <a:t>Initializr</a:t>
             </a:r>
             <a:r>
-              <a:rPr lang="fr-FR" sz="2400" dirty="0" smtClean="0"/>
+              <a:rPr lang="fr-FR" sz="2400" dirty="0"/>
               <a:t> ajouter la dépendance Lombok</a:t>
             </a:r>
           </a:p>
@@ -4219,15 +4198,15 @@
               <a:defRPr/>
             </a:pPr>
             <a:r>
-              <a:rPr lang="fr-FR" sz="2000" dirty="0" smtClean="0"/>
+              <a:rPr lang="fr-FR" sz="2000" dirty="0"/>
               <a:t>Visualiser le fichier </a:t>
             </a:r>
             <a:r>
-              <a:rPr lang="fr-FR" sz="2000" dirty="0" err="1" smtClean="0"/>
+              <a:rPr lang="fr-FR" sz="2000" dirty="0" err="1"/>
               <a:t>build.gradle</a:t>
             </a:r>
             <a:r>
-              <a:rPr lang="fr-FR" sz="2000" dirty="0" smtClean="0"/>
+              <a:rPr lang="fr-FR" sz="2000" dirty="0"/>
               <a:t> ou pom.xml</a:t>
             </a:r>
           </a:p>
@@ -4236,7 +4215,7 @@
               <a:defRPr/>
             </a:pPr>
             <a:r>
-              <a:rPr lang="fr-FR" sz="2000" dirty="0" smtClean="0"/>
+              <a:rPr lang="fr-FR" sz="2000" dirty="0"/>
               <a:t>Ajouter les lignes manquantes à votre projet</a:t>
             </a:r>
           </a:p>
@@ -4245,7 +4224,7 @@
               <a:defRPr/>
             </a:pPr>
             <a:r>
-              <a:rPr lang="fr-FR" sz="2400" dirty="0" smtClean="0"/>
+              <a:rPr lang="fr-FR" sz="2400" dirty="0"/>
               <a:t>Autre solution</a:t>
             </a:r>
           </a:p>
@@ -4254,7 +4233,7 @@
               <a:defRPr/>
             </a:pPr>
             <a:r>
-              <a:rPr lang="fr-FR" sz="2000" dirty="0" smtClean="0"/>
+              <a:rPr lang="fr-FR" sz="2000" dirty="0"/>
               <a:t>Utiliser le plugin Lombok</a:t>
             </a:r>
           </a:p>
@@ -4263,24 +4242,16 @@
               <a:defRPr/>
             </a:pPr>
             <a:r>
-              <a:rPr lang="fr-FR" sz="2000" dirty="0" smtClean="0"/>
+              <a:rPr lang="fr-FR" sz="2000" dirty="0"/>
               <a:t>id "</a:t>
             </a:r>
             <a:r>
-              <a:rPr lang="fr-FR" sz="2000" dirty="0" err="1" smtClean="0"/>
+              <a:rPr lang="fr-FR" sz="2000" dirty="0" err="1"/>
               <a:t>io.freefair.lombok</a:t>
             </a:r>
             <a:r>
-              <a:rPr lang="fr-FR" sz="2000" dirty="0" smtClean="0"/>
-              <a:t>" version "5.0.1</a:t>
-            </a:r>
-            <a:r>
               <a:rPr lang="fr-FR" sz="2000" dirty="0"/>
-              <a:t> " </a:t>
-            </a:r>
-            <a:r>
-              <a:rPr lang="fr-FR" sz="2000" dirty="0" smtClean="0"/>
-              <a:t> </a:t>
+              <a:t>" version "5.0.1 "  </a:t>
             </a:r>
           </a:p>
           <a:p>
@@ -4288,11 +4259,11 @@
               <a:defRPr/>
             </a:pPr>
             <a:r>
-              <a:rPr lang="fr-FR" sz="2400" dirty="0" smtClean="0"/>
+              <a:rPr lang="fr-FR" sz="2400" dirty="0"/>
               <a:t>Configuration </a:t>
             </a:r>
             <a:r>
-              <a:rPr lang="fr-FR" sz="2400" dirty="0" err="1" smtClean="0"/>
+              <a:rPr lang="fr-FR" sz="2400" dirty="0" err="1"/>
               <a:t>IntelliJ</a:t>
             </a:r>
             <a:endParaRPr lang="fr-FR" sz="2400" dirty="0"/>
@@ -4302,8 +4273,12 @@
               <a:defRPr/>
             </a:pPr>
             <a:r>
-              <a:rPr lang="fr-FR" sz="2000" dirty="0" smtClean="0"/>
-              <a:t>Si configuration après coup</a:t>
+              <a:rPr lang="en-US" sz="2000"/>
+              <a:t>File </a:t>
+            </a:r>
+            <a:r>
+              <a:rPr lang="en-US" sz="2000" dirty="0"/>
+              <a:t>-&gt; Settings -&gt; Plugins : Install Lombok plugin</a:t>
             </a:r>
           </a:p>
           <a:p>
@@ -4311,26 +4286,17 @@
               <a:defRPr/>
             </a:pPr>
             <a:r>
-              <a:rPr lang="en-US" sz="2000" dirty="0" smtClean="0"/>
-              <a:t>File -&gt; Settings -&gt; Plugins : Install Lombok plugin</a:t>
-            </a:r>
-          </a:p>
-          <a:p>
-            <a:pPr lvl="1">
+              <a:rPr lang="en-US" sz="2000" dirty="0"/>
+              <a:t>File -&gt; Settings -&gt; Build, Execution, Deployment -&gt; Compiler -&gt; Annotation Processors and mark “Enable annotation processing”</a:t>
+            </a:r>
+          </a:p>
+          <a:p>
+            <a:pPr marL="457200" lvl="1" indent="0">
+              <a:buFontTx/>
+              <a:buNone/>
               <a:defRPr/>
             </a:pPr>
-            <a:r>
-              <a:rPr lang="en-US" sz="2000" dirty="0" smtClean="0"/>
-              <a:t>File -&gt; Settings -&gt; Build, Execution, Deployment -&gt; Compiler -&gt; Annotation Processors and mark “Enable annotation processing”</a:t>
-            </a:r>
-          </a:p>
-          <a:p>
-            <a:pPr marL="457200" lvl="1" indent="0">
-              <a:buFontTx/>
-              <a:buNone/>
-              <a:defRPr/>
-            </a:pPr>
-            <a:endParaRPr lang="fr-FR" sz="2000" dirty="0" smtClean="0"/>
+            <a:endParaRPr lang="fr-FR" sz="2000" dirty="0"/>
           </a:p>
         </p:txBody>
       </p:sp>
